--- a/MariaDB.pptx
+++ b/MariaDB.pptx
@@ -5,7 +5,7 @@
     <p:sldMasterId id="2147483660" r:id="rId1"/>
   </p:sldMasterIdLst>
   <p:notesMasterIdLst>
-    <p:notesMasterId r:id="rId10"/>
+    <p:notesMasterId r:id="rId11"/>
   </p:notesMasterIdLst>
   <p:sldIdLst>
     <p:sldId id="256" r:id="rId2"/>
@@ -16,6 +16,7 @@
     <p:sldId id="261" r:id="rId7"/>
     <p:sldId id="262" r:id="rId8"/>
     <p:sldId id="264" r:id="rId9"/>
+    <p:sldId id="265" r:id="rId10"/>
   </p:sldIdLst>
   <p:sldSz cx="12192000" cy="6858000"/>
   <p:notesSz cx="6858000" cy="9144000"/>
@@ -114,6 +115,11 @@
       </a:defRPr>
     </a:lvl9pPr>
   </p:defaultTextStyle>
+  <p:extLst>
+    <p:ext uri="{EFAFB233-063F-42B5-8137-9DF3F51BA10A}">
+      <p15:sldGuideLst xmlns:p15="http://schemas.microsoft.com/office/powerpoint/2012/main"/>
+    </p:ext>
+  </p:extLst>
 </p:presentation>
 </file>
 
@@ -493,6 +499,90 @@
 </file>
 
 <file path=ppt/notesSlides/notesSlide1.xml><?xml version="1.0" encoding="utf-8"?>
+<p:notes xmlns:a="http://schemas.openxmlformats.org/drawingml/2006/main" xmlns:r="http://schemas.openxmlformats.org/officeDocument/2006/relationships" xmlns:p="http://schemas.openxmlformats.org/presentationml/2006/main">
+  <p:cSld>
+    <p:spTree>
+      <p:nvGrpSpPr>
+        <p:cNvPr id="1" name=""/>
+        <p:cNvGrpSpPr/>
+        <p:nvPr/>
+      </p:nvGrpSpPr>
+      <p:grpSpPr>
+        <a:xfrm>
+          <a:off x="0" y="0"/>
+          <a:ext cx="0" cy="0"/>
+          <a:chOff x="0" y="0"/>
+          <a:chExt cx="0" cy="0"/>
+        </a:xfrm>
+      </p:grpSpPr>
+      <p:sp>
+        <p:nvSpPr>
+          <p:cNvPr id="2" name="Folienbildplatzhalter 1"/>
+          <p:cNvSpPr>
+            <a:spLocks noGrp="1" noRot="1" noChangeAspect="1"/>
+          </p:cNvSpPr>
+          <p:nvPr>
+            <p:ph type="sldImg"/>
+          </p:nvPr>
+        </p:nvSpPr>
+        <p:spPr/>
+      </p:sp>
+      <p:sp>
+        <p:nvSpPr>
+          <p:cNvPr id="3" name="Notizenplatzhalter 2"/>
+          <p:cNvSpPr>
+            <a:spLocks noGrp="1"/>
+          </p:cNvSpPr>
+          <p:nvPr>
+            <p:ph type="body" idx="1"/>
+          </p:nvPr>
+        </p:nvSpPr>
+        <p:spPr/>
+        <p:txBody>
+          <a:bodyPr/>
+          <a:lstStyle/>
+          <a:p>
+            <a:endParaRPr lang="de-DE" dirty="0"/>
+          </a:p>
+        </p:txBody>
+      </p:sp>
+      <p:sp>
+        <p:nvSpPr>
+          <p:cNvPr id="4" name="Foliennummernplatzhalter 3"/>
+          <p:cNvSpPr>
+            <a:spLocks noGrp="1"/>
+          </p:cNvSpPr>
+          <p:nvPr>
+            <p:ph type="sldNum" sz="quarter" idx="10"/>
+          </p:nvPr>
+        </p:nvSpPr>
+        <p:spPr/>
+        <p:txBody>
+          <a:bodyPr/>
+          <a:lstStyle/>
+          <a:p>
+            <a:fld id="{BCBD0E72-3512-4A2E-9BA4-D47FA098219B}" type="slidenum">
+              <a:rPr lang="de-DE" smtClean="0"/>
+              <a:t>1</a:t>
+            </a:fld>
+            <a:endParaRPr lang="de-DE"/>
+          </a:p>
+        </p:txBody>
+      </p:sp>
+    </p:spTree>
+    <p:extLst>
+      <p:ext uri="{BB962C8B-B14F-4D97-AF65-F5344CB8AC3E}">
+        <p14:creationId xmlns:p14="http://schemas.microsoft.com/office/powerpoint/2010/main" val="1842037694"/>
+      </p:ext>
+    </p:extLst>
+  </p:cSld>
+  <p:clrMapOvr>
+    <a:masterClrMapping/>
+  </p:clrMapOvr>
+</p:notes>
+</file>
+
+<file path=ppt/notesSlides/notesSlide2.xml><?xml version="1.0" encoding="utf-8"?>
 <p:notes xmlns:a="http://schemas.openxmlformats.org/drawingml/2006/main" xmlns:r="http://schemas.openxmlformats.org/officeDocument/2006/relationships" xmlns:p="http://schemas.openxmlformats.org/presentationml/2006/main">
   <p:cSld>
     <p:spTree>
@@ -4341,7 +4431,7 @@
           <p:nvPr/>
         </p:nvPicPr>
         <p:blipFill>
-          <a:blip r:embed="rId2">
+          <a:blip r:embed="rId3">
             <a:extLst>
               <a:ext uri="{28A0092B-C50C-407E-A947-70E740481C1C}">
                 <a14:useLocalDpi xmlns:a14="http://schemas.microsoft.com/office/drawing/2010/main" val="0"/>
@@ -5329,6 +5419,183 @@
     <p:extLst>
       <p:ext uri="{BB962C8B-B14F-4D97-AF65-F5344CB8AC3E}">
         <p14:creationId xmlns:p14="http://schemas.microsoft.com/office/powerpoint/2010/main" val="4025145377"/>
+      </p:ext>
+    </p:extLst>
+  </p:cSld>
+  <p:clrMapOvr>
+    <a:masterClrMapping/>
+  </p:clrMapOvr>
+</p:sld>
+</file>
+
+<file path=ppt/slides/slide9.xml><?xml version="1.0" encoding="utf-8"?>
+<p:sld xmlns:a="http://schemas.openxmlformats.org/drawingml/2006/main" xmlns:r="http://schemas.openxmlformats.org/officeDocument/2006/relationships" xmlns:p="http://schemas.openxmlformats.org/presentationml/2006/main">
+  <p:cSld>
+    <p:spTree>
+      <p:nvGrpSpPr>
+        <p:cNvPr id="1" name=""/>
+        <p:cNvGrpSpPr/>
+        <p:nvPr/>
+      </p:nvGrpSpPr>
+      <p:grpSpPr>
+        <a:xfrm>
+          <a:off x="0" y="0"/>
+          <a:ext cx="0" cy="0"/>
+          <a:chOff x="0" y="0"/>
+          <a:chExt cx="0" cy="0"/>
+        </a:xfrm>
+      </p:grpSpPr>
+      <p:sp>
+        <p:nvSpPr>
+          <p:cNvPr id="2" name="Titel 1">
+            <a:extLst>
+              <a:ext uri="{FF2B5EF4-FFF2-40B4-BE49-F238E27FC236}">
+                <a16:creationId xmlns:a16="http://schemas.microsoft.com/office/drawing/2014/main" id="{61F1B45D-D96F-420A-8AB5-D62952252138}"/>
+              </a:ext>
+            </a:extLst>
+          </p:cNvPr>
+          <p:cNvSpPr>
+            <a:spLocks noGrp="1"/>
+          </p:cNvSpPr>
+          <p:nvPr>
+            <p:ph type="title"/>
+          </p:nvPr>
+        </p:nvSpPr>
+        <p:spPr>
+          <a:xfrm>
+            <a:off x="1193470" y="522514"/>
+            <a:ext cx="10571018" cy="1472541"/>
+          </a:xfrm>
+        </p:spPr>
+        <p:txBody>
+          <a:bodyPr>
+            <a:normAutofit/>
+          </a:bodyPr>
+          <a:lstStyle/>
+          <a:p>
+            <a:r>
+              <a:rPr lang="de-DE" sz="6600" dirty="0" err="1">
+                <a:solidFill>
+                  <a:srgbClr val="00B0F0"/>
+                </a:solidFill>
+              </a:rPr>
+              <a:t>Thank</a:t>
+            </a:r>
+            <a:r>
+              <a:rPr lang="de-DE" sz="6600" dirty="0">
+                <a:solidFill>
+                  <a:srgbClr val="00B0F0"/>
+                </a:solidFill>
+              </a:rPr>
+              <a:t> </a:t>
+            </a:r>
+            <a:r>
+              <a:rPr lang="de-DE" sz="6600" dirty="0" err="1">
+                <a:solidFill>
+                  <a:srgbClr val="00B0F0"/>
+                </a:solidFill>
+              </a:rPr>
+              <a:t>you</a:t>
+            </a:r>
+            <a:r>
+              <a:rPr lang="de-DE" sz="6600" dirty="0">
+                <a:solidFill>
+                  <a:srgbClr val="00B0F0"/>
+                </a:solidFill>
+              </a:rPr>
+              <a:t> </a:t>
+            </a:r>
+            <a:r>
+              <a:rPr lang="de-DE" sz="6600" dirty="0" err="1">
+                <a:solidFill>
+                  <a:srgbClr val="00B0F0"/>
+                </a:solidFill>
+              </a:rPr>
+              <a:t>for</a:t>
+            </a:r>
+            <a:r>
+              <a:rPr lang="de-DE" sz="6600" dirty="0">
+                <a:solidFill>
+                  <a:srgbClr val="00B0F0"/>
+                </a:solidFill>
+              </a:rPr>
+              <a:t> </a:t>
+            </a:r>
+            <a:r>
+              <a:rPr lang="de-DE" sz="6600" dirty="0" err="1">
+                <a:solidFill>
+                  <a:srgbClr val="00B0F0"/>
+                </a:solidFill>
+              </a:rPr>
+              <a:t>your</a:t>
+            </a:r>
+            <a:r>
+              <a:rPr lang="de-DE" sz="6600" dirty="0">
+                <a:solidFill>
+                  <a:srgbClr val="00B0F0"/>
+                </a:solidFill>
+              </a:rPr>
+              <a:t> </a:t>
+            </a:r>
+            <a:r>
+              <a:rPr lang="de-DE" sz="6600" dirty="0" err="1">
+                <a:solidFill>
+                  <a:srgbClr val="00B0F0"/>
+                </a:solidFill>
+              </a:rPr>
+              <a:t>attention</a:t>
+            </a:r>
+            <a:r>
+              <a:rPr lang="de-DE" sz="6600" dirty="0">
+                <a:solidFill>
+                  <a:srgbClr val="00B0F0"/>
+                </a:solidFill>
+              </a:rPr>
+              <a:t>!</a:t>
+            </a:r>
+          </a:p>
+        </p:txBody>
+      </p:sp>
+      <p:pic>
+        <p:nvPicPr>
+          <p:cNvPr id="5" name="Grafik 4" descr="Ein Bild, das Objekt enthält.&#10;&#10;Mit hoher Zuverlässigkeit generierte Beschreibung">
+            <a:extLst>
+              <a:ext uri="{FF2B5EF4-FFF2-40B4-BE49-F238E27FC236}">
+                <a16:creationId xmlns:a16="http://schemas.microsoft.com/office/drawing/2014/main" id="{6C6FDA8C-C47E-4BB4-B472-54E0522BD88A}"/>
+              </a:ext>
+            </a:extLst>
+          </p:cNvPr>
+          <p:cNvPicPr>
+            <a:picLocks noChangeAspect="1"/>
+          </p:cNvPicPr>
+          <p:nvPr/>
+        </p:nvPicPr>
+        <p:blipFill>
+          <a:blip r:embed="rId2">
+            <a:extLst>
+              <a:ext uri="{28A0092B-C50C-407E-A947-70E740481C1C}">
+                <a14:useLocalDpi xmlns:a14="http://schemas.microsoft.com/office/drawing/2010/main" val="0"/>
+              </a:ext>
+            </a:extLst>
+          </a:blip>
+          <a:stretch>
+            <a:fillRect/>
+          </a:stretch>
+        </p:blipFill>
+        <p:spPr>
+          <a:xfrm>
+            <a:off x="4123210" y="2316678"/>
+            <a:ext cx="3714503" cy="3714503"/>
+          </a:xfrm>
+          <a:prstGeom prst="rect">
+            <a:avLst/>
+          </a:prstGeom>
+        </p:spPr>
+      </p:pic>
+    </p:spTree>
+    <p:extLst>
+      <p:ext uri="{BB962C8B-B14F-4D97-AF65-F5344CB8AC3E}">
+        <p14:creationId xmlns:p14="http://schemas.microsoft.com/office/powerpoint/2010/main" val="3495948442"/>
       </p:ext>
     </p:extLst>
   </p:cSld>

--- a/MariaDB.pptx
+++ b/MariaDB.pptx
@@ -5,18 +5,17 @@
     <p:sldMasterId id="2147483660" r:id="rId1"/>
   </p:sldMasterIdLst>
   <p:notesMasterIdLst>
-    <p:notesMasterId r:id="rId11"/>
+    <p:notesMasterId r:id="rId10"/>
   </p:notesMasterIdLst>
   <p:sldIdLst>
     <p:sldId id="256" r:id="rId2"/>
-    <p:sldId id="257" r:id="rId3"/>
-    <p:sldId id="258" r:id="rId4"/>
-    <p:sldId id="259" r:id="rId5"/>
-    <p:sldId id="260" r:id="rId6"/>
-    <p:sldId id="261" r:id="rId7"/>
-    <p:sldId id="262" r:id="rId8"/>
-    <p:sldId id="264" r:id="rId9"/>
-    <p:sldId id="265" r:id="rId10"/>
+    <p:sldId id="258" r:id="rId3"/>
+    <p:sldId id="259" r:id="rId4"/>
+    <p:sldId id="260" r:id="rId5"/>
+    <p:sldId id="261" r:id="rId6"/>
+    <p:sldId id="262" r:id="rId7"/>
+    <p:sldId id="264" r:id="rId8"/>
+    <p:sldId id="265" r:id="rId9"/>
   </p:sldIdLst>
   <p:sldSz cx="12192000" cy="6858000"/>
   <p:notesSz cx="6858000" cy="9144000"/>
@@ -663,7 +662,7 @@
           <a:p>
             <a:fld id="{BCBD0E72-3512-4A2E-9BA4-D47FA098219B}" type="slidenum">
               <a:rPr lang="de-DE" smtClean="0"/>
-              <a:t>7</a:t>
+              <a:t>6</a:t>
             </a:fld>
             <a:endParaRPr lang="de-DE"/>
           </a:p>
@@ -4487,7 +4486,7 @@
           <p:cNvPr id="2" name="Titel 1">
             <a:extLst>
               <a:ext uri="{FF2B5EF4-FFF2-40B4-BE49-F238E27FC236}">
-                <a16:creationId xmlns:a16="http://schemas.microsoft.com/office/drawing/2014/main" id="{E59CF3F6-88CC-4AA6-8F36-155054CA512E}"/>
+                <a16:creationId xmlns:a16="http://schemas.microsoft.com/office/drawing/2014/main" id="{C8EDA00D-6F97-4804-BDDF-17F4CAADF889}"/>
               </a:ext>
             </a:extLst>
           </p:cNvPr>
@@ -4505,9 +4504,28 @@
           <a:p>
             <a:r>
               <a:rPr lang="de-DE" dirty="0" err="1"/>
-              <a:t>Structure</a:t>
-            </a:r>
-            <a:endParaRPr lang="de-DE" dirty="0"/>
+              <a:t>What</a:t>
+            </a:r>
+            <a:r>
+              <a:rPr lang="de-DE" dirty="0"/>
+              <a:t> </a:t>
+            </a:r>
+            <a:r>
+              <a:rPr lang="de-DE" dirty="0" err="1"/>
+              <a:t>is</a:t>
+            </a:r>
+            <a:r>
+              <a:rPr lang="de-DE" dirty="0"/>
+              <a:t> </a:t>
+            </a:r>
+            <a:r>
+              <a:rPr lang="de-DE" dirty="0" err="1"/>
+              <a:t>MariaDB</a:t>
+            </a:r>
+            <a:r>
+              <a:rPr lang="de-DE" dirty="0"/>
+              <a:t>?</a:t>
+            </a:r>
           </a:p>
         </p:txBody>
       </p:sp>
@@ -4516,7 +4534,7 @@
           <p:cNvPr id="3" name="Inhaltsplatzhalter 2">
             <a:extLst>
               <a:ext uri="{FF2B5EF4-FFF2-40B4-BE49-F238E27FC236}">
-                <a16:creationId xmlns:a16="http://schemas.microsoft.com/office/drawing/2014/main" id="{9991A2E5-6D41-416F-ACD0-692AD7AE2C28}"/>
+                <a16:creationId xmlns:a16="http://schemas.microsoft.com/office/drawing/2014/main" id="{A60262DD-C455-489A-AC82-E3341CEE1FFA}"/>
               </a:ext>
             </a:extLst>
           </p:cNvPr>
@@ -4527,14 +4545,49 @@
             <p:ph idx="1"/>
           </p:nvPr>
         </p:nvSpPr>
-        <p:spPr/>
+        <p:spPr>
+          <a:xfrm>
+            <a:off x="1371600" y="1716833"/>
+            <a:ext cx="9601200" cy="4150567"/>
+          </a:xfrm>
+        </p:spPr>
         <p:txBody>
           <a:bodyPr/>
           <a:lstStyle/>
           <a:p>
             <a:r>
+              <a:rPr lang="de-DE" dirty="0"/>
+              <a:t>Database Management Software</a:t>
+            </a:r>
+          </a:p>
+          <a:p>
+            <a:r>
+              <a:rPr lang="de-DE" dirty="0"/>
+              <a:t>Release: 2009</a:t>
+            </a:r>
+          </a:p>
+          <a:p>
+            <a:r>
               <a:rPr lang="de-DE" dirty="0" err="1"/>
-              <a:t>What</a:t>
+              <a:t>Uses</a:t>
+            </a:r>
+            <a:r>
+              <a:rPr lang="de-DE" dirty="0"/>
+              <a:t> MySQL</a:t>
+            </a:r>
+          </a:p>
+          <a:p>
+            <a:r>
+              <a:rPr lang="de-DE" dirty="0" err="1"/>
+              <a:t>Basically</a:t>
+            </a:r>
+            <a:r>
+              <a:rPr lang="de-DE" dirty="0"/>
+              <a:t> same </a:t>
+            </a:r>
+            <a:r>
+              <a:rPr lang="de-DE" dirty="0" err="1"/>
+              <a:t>features</a:t>
             </a:r>
             <a:r>
               <a:rPr lang="de-DE" dirty="0"/>
@@ -4542,95 +4595,12 @@
             </a:r>
             <a:r>
               <a:rPr lang="de-DE" dirty="0" err="1"/>
-              <a:t>is</a:t>
+              <a:t>as</a:t>
             </a:r>
             <a:r>
               <a:rPr lang="de-DE" dirty="0"/>
-              <a:t> </a:t>
-            </a:r>
-            <a:r>
-              <a:rPr lang="de-DE" dirty="0" err="1"/>
-              <a:t>MariaDB</a:t>
-            </a:r>
-            <a:r>
-              <a:rPr lang="de-DE" dirty="0"/>
-              <a:t>?</a:t>
-            </a:r>
-          </a:p>
-          <a:p>
-            <a:r>
-              <a:rPr lang="de-DE" dirty="0" err="1"/>
-              <a:t>Why</a:t>
-            </a:r>
-            <a:r>
-              <a:rPr lang="de-DE" dirty="0"/>
-              <a:t> was </a:t>
-            </a:r>
-            <a:r>
-              <a:rPr lang="de-DE" dirty="0" err="1"/>
-              <a:t>it</a:t>
-            </a:r>
-            <a:r>
-              <a:rPr lang="de-DE" dirty="0"/>
-              <a:t> </a:t>
-            </a:r>
-            <a:r>
-              <a:rPr lang="de-DE" dirty="0" err="1"/>
-              <a:t>created</a:t>
-            </a:r>
-            <a:r>
-              <a:rPr lang="de-DE" dirty="0"/>
-              <a:t>?</a:t>
-            </a:r>
-          </a:p>
-          <a:p>
-            <a:r>
-              <a:rPr lang="de-DE" dirty="0" err="1"/>
-              <a:t>Why</a:t>
-            </a:r>
-            <a:r>
-              <a:rPr lang="de-DE" dirty="0"/>
-              <a:t> </a:t>
-            </a:r>
-            <a:r>
-              <a:rPr lang="de-DE" dirty="0" err="1"/>
-              <a:t>should</a:t>
-            </a:r>
-            <a:r>
-              <a:rPr lang="de-DE" dirty="0"/>
-              <a:t> I </a:t>
-            </a:r>
-            <a:r>
-              <a:rPr lang="de-DE" dirty="0" err="1"/>
-              <a:t>be</a:t>
-            </a:r>
-            <a:r>
-              <a:rPr lang="de-DE" dirty="0"/>
-              <a:t> </a:t>
-            </a:r>
-            <a:r>
-              <a:rPr lang="de-DE" dirty="0" err="1"/>
-              <a:t>using</a:t>
-            </a:r>
-            <a:r>
-              <a:rPr lang="de-DE" dirty="0"/>
-              <a:t> </a:t>
-            </a:r>
-            <a:r>
-              <a:rPr lang="de-DE" dirty="0" err="1"/>
-              <a:t>MariaDB</a:t>
-            </a:r>
-            <a:r>
-              <a:rPr lang="de-DE" dirty="0"/>
-              <a:t>?</a:t>
-            </a:r>
-          </a:p>
-          <a:p>
-            <a:r>
-              <a:rPr lang="de-DE" dirty="0" err="1"/>
-              <a:t>Example</a:t>
-            </a:r>
-            <a:endParaRPr lang="de-DE" dirty="0"/>
+              <a:t> MySQL</a:t>
+            </a:r>
           </a:p>
           <a:p>
             <a:endParaRPr lang="de-DE" dirty="0"/>
@@ -4640,7 +4610,7 @@
     </p:spTree>
     <p:extLst>
       <p:ext uri="{BB962C8B-B14F-4D97-AF65-F5344CB8AC3E}">
-        <p14:creationId xmlns:p14="http://schemas.microsoft.com/office/powerpoint/2010/main" val="3064596581"/>
+        <p14:creationId xmlns:p14="http://schemas.microsoft.com/office/powerpoint/2010/main" val="291393465"/>
       </p:ext>
     </p:extLst>
   </p:cSld>
@@ -4672,183 +4642,6 @@
           <p:cNvPr id="2" name="Titel 1">
             <a:extLst>
               <a:ext uri="{FF2B5EF4-FFF2-40B4-BE49-F238E27FC236}">
-                <a16:creationId xmlns:a16="http://schemas.microsoft.com/office/drawing/2014/main" id="{C8EDA00D-6F97-4804-BDDF-17F4CAADF889}"/>
-              </a:ext>
-            </a:extLst>
-          </p:cNvPr>
-          <p:cNvSpPr>
-            <a:spLocks noGrp="1"/>
-          </p:cNvSpPr>
-          <p:nvPr>
-            <p:ph type="title"/>
-          </p:nvPr>
-        </p:nvSpPr>
-        <p:spPr/>
-        <p:txBody>
-          <a:bodyPr/>
-          <a:lstStyle/>
-          <a:p>
-            <a:r>
-              <a:rPr lang="de-DE" dirty="0" err="1"/>
-              <a:t>What</a:t>
-            </a:r>
-            <a:r>
-              <a:rPr lang="de-DE" dirty="0"/>
-              <a:t> </a:t>
-            </a:r>
-            <a:r>
-              <a:rPr lang="de-DE" dirty="0" err="1"/>
-              <a:t>is</a:t>
-            </a:r>
-            <a:r>
-              <a:rPr lang="de-DE" dirty="0"/>
-              <a:t> </a:t>
-            </a:r>
-            <a:r>
-              <a:rPr lang="de-DE" dirty="0" err="1"/>
-              <a:t>MariaDB</a:t>
-            </a:r>
-            <a:r>
-              <a:rPr lang="de-DE" dirty="0"/>
-              <a:t>?</a:t>
-            </a:r>
-          </a:p>
-        </p:txBody>
-      </p:sp>
-      <p:sp>
-        <p:nvSpPr>
-          <p:cNvPr id="3" name="Inhaltsplatzhalter 2">
-            <a:extLst>
-              <a:ext uri="{FF2B5EF4-FFF2-40B4-BE49-F238E27FC236}">
-                <a16:creationId xmlns:a16="http://schemas.microsoft.com/office/drawing/2014/main" id="{A60262DD-C455-489A-AC82-E3341CEE1FFA}"/>
-              </a:ext>
-            </a:extLst>
-          </p:cNvPr>
-          <p:cNvSpPr>
-            <a:spLocks noGrp="1"/>
-          </p:cNvSpPr>
-          <p:nvPr>
-            <p:ph idx="1"/>
-          </p:nvPr>
-        </p:nvSpPr>
-        <p:spPr>
-          <a:xfrm>
-            <a:off x="1371600" y="1716833"/>
-            <a:ext cx="9601200" cy="4150567"/>
-          </a:xfrm>
-        </p:spPr>
-        <p:txBody>
-          <a:bodyPr/>
-          <a:lstStyle/>
-          <a:p>
-            <a:r>
-              <a:rPr lang="de-DE" dirty="0"/>
-              <a:t>Database Management Software</a:t>
-            </a:r>
-          </a:p>
-          <a:p>
-            <a:r>
-              <a:rPr lang="de-DE" dirty="0"/>
-              <a:t>Release: 2009</a:t>
-            </a:r>
-          </a:p>
-          <a:p>
-            <a:r>
-              <a:rPr lang="de-DE" dirty="0" err="1"/>
-              <a:t>Uses</a:t>
-            </a:r>
-            <a:r>
-              <a:rPr lang="de-DE" dirty="0"/>
-              <a:t> MySQL</a:t>
-            </a:r>
-          </a:p>
-          <a:p>
-            <a:r>
-              <a:rPr lang="de-DE" dirty="0" err="1"/>
-              <a:t>Basically</a:t>
-            </a:r>
-            <a:r>
-              <a:rPr lang="de-DE" dirty="0"/>
-              <a:t> MySQL</a:t>
-            </a:r>
-          </a:p>
-          <a:p>
-            <a:r>
-              <a:rPr lang="de-DE" dirty="0" err="1"/>
-              <a:t>Why</a:t>
-            </a:r>
-            <a:r>
-              <a:rPr lang="de-DE" dirty="0"/>
-              <a:t> </a:t>
-            </a:r>
-            <a:r>
-              <a:rPr lang="de-DE" dirty="0" err="1"/>
-              <a:t>does</a:t>
-            </a:r>
-            <a:r>
-              <a:rPr lang="de-DE" dirty="0"/>
-              <a:t> </a:t>
-            </a:r>
-            <a:r>
-              <a:rPr lang="de-DE" dirty="0" err="1"/>
-              <a:t>it</a:t>
-            </a:r>
-            <a:r>
-              <a:rPr lang="de-DE" dirty="0"/>
-              <a:t> </a:t>
-            </a:r>
-            <a:r>
-              <a:rPr lang="de-DE" dirty="0" err="1"/>
-              <a:t>exist</a:t>
-            </a:r>
-            <a:r>
-              <a:rPr lang="de-DE" dirty="0"/>
-              <a:t>?!</a:t>
-            </a:r>
-          </a:p>
-          <a:p>
-            <a:endParaRPr lang="de-DE" dirty="0"/>
-          </a:p>
-          <a:p>
-            <a:endParaRPr lang="de-DE" dirty="0"/>
-          </a:p>
-        </p:txBody>
-      </p:sp>
-    </p:spTree>
-    <p:extLst>
-      <p:ext uri="{BB962C8B-B14F-4D97-AF65-F5344CB8AC3E}">
-        <p14:creationId xmlns:p14="http://schemas.microsoft.com/office/powerpoint/2010/main" val="291393465"/>
-      </p:ext>
-    </p:extLst>
-  </p:cSld>
-  <p:clrMapOvr>
-    <a:masterClrMapping/>
-  </p:clrMapOvr>
-</p:sld>
-</file>
-
-<file path=ppt/slides/slide4.xml><?xml version="1.0" encoding="utf-8"?>
-<p:sld xmlns:a="http://schemas.openxmlformats.org/drawingml/2006/main" xmlns:r="http://schemas.openxmlformats.org/officeDocument/2006/relationships" xmlns:p="http://schemas.openxmlformats.org/presentationml/2006/main">
-  <p:cSld>
-    <p:spTree>
-      <p:nvGrpSpPr>
-        <p:cNvPr id="1" name=""/>
-        <p:cNvGrpSpPr/>
-        <p:nvPr/>
-      </p:nvGrpSpPr>
-      <p:grpSpPr>
-        <a:xfrm>
-          <a:off x="0" y="0"/>
-          <a:ext cx="0" cy="0"/>
-          <a:chOff x="0" y="0"/>
-          <a:chExt cx="0" cy="0"/>
-        </a:xfrm>
-      </p:grpSpPr>
-      <p:sp>
-        <p:nvSpPr>
-          <p:cNvPr id="2" name="Titel 1">
-            <a:extLst>
-              <a:ext uri="{FF2B5EF4-FFF2-40B4-BE49-F238E27FC236}">
                 <a16:creationId xmlns:a16="http://schemas.microsoft.com/office/drawing/2014/main" id="{42835290-7FE2-4145-95C4-483561581230}"/>
               </a:ext>
             </a:extLst>
@@ -4950,10 +4743,88 @@
   <p:clrMapOvr>
     <a:masterClrMapping/>
   </p:clrMapOvr>
+  <p:timing>
+    <p:tnLst>
+      <p:par>
+        <p:cTn id="1" dur="indefinite" restart="never" nodeType="tmRoot">
+          <p:childTnLst>
+            <p:seq concurrent="1" nextAc="seek">
+              <p:cTn id="2" dur="indefinite" nodeType="mainSeq">
+                <p:childTnLst>
+                  <p:par>
+                    <p:cTn id="3" fill="hold">
+                      <p:stCondLst>
+                        <p:cond delay="indefinite"/>
+                      </p:stCondLst>
+                      <p:childTnLst>
+                        <p:par>
+                          <p:cTn id="4" fill="hold">
+                            <p:stCondLst>
+                              <p:cond delay="0"/>
+                            </p:stCondLst>
+                            <p:childTnLst>
+                              <p:par>
+                                <p:cTn id="5" presetID="1" presetClass="entr" presetSubtype="0" fill="hold" grpId="0" nodeType="clickEffect">
+                                  <p:stCondLst>
+                                    <p:cond delay="0"/>
+                                  </p:stCondLst>
+                                  <p:childTnLst>
+                                    <p:set>
+                                      <p:cBhvr>
+                                        <p:cTn id="6" dur="1" fill="hold">
+                                          <p:stCondLst>
+                                            <p:cond delay="0"/>
+                                          </p:stCondLst>
+                                        </p:cTn>
+                                        <p:tgtEl>
+                                          <p:spTgt spid="4"/>
+                                        </p:tgtEl>
+                                        <p:attrNameLst>
+                                          <p:attrName>style.visibility</p:attrName>
+                                        </p:attrNameLst>
+                                      </p:cBhvr>
+                                      <p:to>
+                                        <p:strVal val="visible"/>
+                                      </p:to>
+                                    </p:set>
+                                  </p:childTnLst>
+                                </p:cTn>
+                              </p:par>
+                            </p:childTnLst>
+                          </p:cTn>
+                        </p:par>
+                      </p:childTnLst>
+                    </p:cTn>
+                  </p:par>
+                </p:childTnLst>
+              </p:cTn>
+              <p:prevCondLst>
+                <p:cond evt="onPrev" delay="0">
+                  <p:tgtEl>
+                    <p:sldTgt/>
+                  </p:tgtEl>
+                </p:cond>
+              </p:prevCondLst>
+              <p:nextCondLst>
+                <p:cond evt="onNext" delay="0">
+                  <p:tgtEl>
+                    <p:sldTgt/>
+                  </p:tgtEl>
+                </p:cond>
+              </p:nextCondLst>
+            </p:seq>
+          </p:childTnLst>
+        </p:cTn>
+      </p:par>
+    </p:tnLst>
+    <p:bldLst>
+      <p:bldP spid="4" grpId="0"/>
+    </p:bldLst>
+  </p:timing>
 </p:sld>
 </file>
 
-<file path=ppt/slides/slide5.xml><?xml version="1.0" encoding="utf-8"?>
+<file path=ppt/slides/slide4.xml><?xml version="1.0" encoding="utf-8"?>
 <p:sld xmlns:a="http://schemas.openxmlformats.org/drawingml/2006/main" xmlns:r="http://schemas.openxmlformats.org/officeDocument/2006/relationships" xmlns:p="http://schemas.openxmlformats.org/presentationml/2006/main">
   <p:cSld>
     <p:bg>
@@ -5025,7 +4896,7 @@
 </p:sld>
 </file>
 
-<file path=ppt/slides/slide6.xml><?xml version="1.0" encoding="utf-8"?>
+<file path=ppt/slides/slide5.xml><?xml version="1.0" encoding="utf-8"?>
 <p:sld xmlns:a="http://schemas.openxmlformats.org/drawingml/2006/main" xmlns:r="http://schemas.openxmlformats.org/officeDocument/2006/relationships" xmlns:p="http://schemas.openxmlformats.org/presentationml/2006/main">
   <p:cSld>
     <p:spTree>
@@ -5091,7 +4962,7 @@
 </p:sld>
 </file>
 
-<file path=ppt/slides/slide7.xml><?xml version="1.0" encoding="utf-8"?>
+<file path=ppt/slides/slide6.xml><?xml version="1.0" encoding="utf-8"?>
 <p:sld xmlns:a="http://schemas.openxmlformats.org/drawingml/2006/main" xmlns:r="http://schemas.openxmlformats.org/officeDocument/2006/relationships" xmlns:p="http://schemas.openxmlformats.org/presentationml/2006/main">
   <p:cSld>
     <p:spTree>
@@ -5226,7 +5097,7 @@
 </p:sld>
 </file>
 
-<file path=ppt/slides/slide8.xml><?xml version="1.0" encoding="utf-8"?>
+<file path=ppt/slides/slide7.xml><?xml version="1.0" encoding="utf-8"?>
 <p:sld xmlns:a="http://schemas.openxmlformats.org/drawingml/2006/main" xmlns:r="http://schemas.openxmlformats.org/officeDocument/2006/relationships" xmlns:p="http://schemas.openxmlformats.org/presentationml/2006/main">
   <p:cSld>
     <p:spTree>
@@ -5331,7 +5202,7 @@
             </a:r>
             <a:r>
               <a:rPr lang="de-DE" dirty="0" err="1"/>
-              <a:t>dource</a:t>
+              <a:t>source</a:t>
             </a:r>
             <a:endParaRPr lang="de-DE" dirty="0"/>
           </a:p>
@@ -5404,6 +5275,39 @@
             <a:r>
               <a:rPr lang="de-DE" dirty="0" err="1"/>
               <a:t>experts</a:t>
+            </a:r>
+            <a:endParaRPr lang="de-DE" dirty="0"/>
+          </a:p>
+          <a:p>
+            <a:r>
+              <a:rPr lang="de-DE" dirty="0"/>
+              <a:t>Bright </a:t>
+            </a:r>
+            <a:r>
+              <a:rPr lang="de-DE" dirty="0" err="1"/>
+              <a:t>future</a:t>
+            </a:r>
+            <a:endParaRPr lang="de-DE" dirty="0"/>
+          </a:p>
+          <a:p>
+            <a:r>
+              <a:rPr lang="de-DE" dirty="0"/>
+              <a:t>Open </a:t>
+            </a:r>
+            <a:r>
+              <a:rPr lang="de-DE" dirty="0" err="1"/>
+              <a:t>documentation</a:t>
+            </a:r>
+            <a:endParaRPr lang="de-DE" dirty="0"/>
+          </a:p>
+          <a:p>
+            <a:r>
+              <a:rPr lang="de-DE" dirty="0"/>
+              <a:t>Big </a:t>
+            </a:r>
+            <a:r>
+              <a:rPr lang="de-DE"/>
+              <a:t>data</a:t>
             </a:r>
             <a:endParaRPr lang="de-DE" dirty="0"/>
           </a:p>
@@ -5428,7 +5332,7 @@
 </p:sld>
 </file>
 
-<file path=ppt/slides/slide9.xml><?xml version="1.0" encoding="utf-8"?>
+<file path=ppt/slides/slide8.xml><?xml version="1.0" encoding="utf-8"?>
 <p:sld xmlns:a="http://schemas.openxmlformats.org/drawingml/2006/main" xmlns:r="http://schemas.openxmlformats.org/officeDocument/2006/relationships" xmlns:p="http://schemas.openxmlformats.org/presentationml/2006/main">
   <p:cSld>
     <p:spTree>
